--- a/New Microsoft PowerPoint Presentation.pptx
+++ b/New Microsoft PowerPoint Presentation.pptx
@@ -32587,7 +32587,7 @@
         </p:nvSpPr>
         <p:spPr>
           <a:xfrm>
-            <a:off x="1589804" y="1618383"/>
+            <a:off x="2948356" y="770622"/>
             <a:ext cx="1447803" cy="374073"/>
           </a:xfrm>
           <a:prstGeom prst="rect">
@@ -32636,7 +32636,7 @@
         </p:nvSpPr>
         <p:spPr>
           <a:xfrm>
-            <a:off x="1589804" y="2049605"/>
+            <a:off x="4406094" y="765939"/>
             <a:ext cx="1447803" cy="374073"/>
           </a:xfrm>
           <a:prstGeom prst="rect">
@@ -32786,7 +32786,7 @@
         </p:nvSpPr>
         <p:spPr>
           <a:xfrm>
-            <a:off x="1589803" y="2486023"/>
+            <a:off x="5913475" y="765939"/>
             <a:ext cx="1447803" cy="374073"/>
           </a:xfrm>
           <a:prstGeom prst="rect">
@@ -32835,7 +32835,7 @@
         </p:nvSpPr>
         <p:spPr>
           <a:xfrm>
-            <a:off x="1548240" y="2049604"/>
+            <a:off x="2958291" y="765939"/>
             <a:ext cx="1447803" cy="374073"/>
           </a:xfrm>
           <a:prstGeom prst="rect">

--- a/New Microsoft PowerPoint Presentation.pptx
+++ b/New Microsoft PowerPoint Presentation.pptx
@@ -285,7 +285,7 @@
           <a:p>
             <a:fld id="{C088BFFC-84F4-4F97-BA92-920A7550B5B3}" type="datetimeFigureOut">
               <a:rPr lang="en-US" smtClean="0"/>
-              <a:t>6/10/23</a:t>
+              <a:t>9/11/23</a:t>
             </a:fld>
             <a:endParaRPr lang="en-US"/>
           </a:p>
@@ -483,7 +483,7 @@
           <a:p>
             <a:fld id="{C088BFFC-84F4-4F97-BA92-920A7550B5B3}" type="datetimeFigureOut">
               <a:rPr lang="en-US" smtClean="0"/>
-              <a:t>6/10/23</a:t>
+              <a:t>9/11/23</a:t>
             </a:fld>
             <a:endParaRPr lang="en-US"/>
           </a:p>
@@ -691,7 +691,7 @@
           <a:p>
             <a:fld id="{C088BFFC-84F4-4F97-BA92-920A7550B5B3}" type="datetimeFigureOut">
               <a:rPr lang="en-US" smtClean="0"/>
-              <a:t>6/10/23</a:t>
+              <a:t>9/11/23</a:t>
             </a:fld>
             <a:endParaRPr lang="en-US"/>
           </a:p>
@@ -889,7 +889,7 @@
           <a:p>
             <a:fld id="{C088BFFC-84F4-4F97-BA92-920A7550B5B3}" type="datetimeFigureOut">
               <a:rPr lang="en-US" smtClean="0"/>
-              <a:t>6/10/23</a:t>
+              <a:t>9/11/23</a:t>
             </a:fld>
             <a:endParaRPr lang="en-US"/>
           </a:p>
@@ -1164,7 +1164,7 @@
           <a:p>
             <a:fld id="{C088BFFC-84F4-4F97-BA92-920A7550B5B3}" type="datetimeFigureOut">
               <a:rPr lang="en-US" smtClean="0"/>
-              <a:t>6/10/23</a:t>
+              <a:t>9/11/23</a:t>
             </a:fld>
             <a:endParaRPr lang="en-US"/>
           </a:p>
@@ -1429,7 +1429,7 @@
           <a:p>
             <a:fld id="{C088BFFC-84F4-4F97-BA92-920A7550B5B3}" type="datetimeFigureOut">
               <a:rPr lang="en-US" smtClean="0"/>
-              <a:t>6/10/23</a:t>
+              <a:t>9/11/23</a:t>
             </a:fld>
             <a:endParaRPr lang="en-US"/>
           </a:p>
@@ -1841,7 +1841,7 @@
           <a:p>
             <a:fld id="{C088BFFC-84F4-4F97-BA92-920A7550B5B3}" type="datetimeFigureOut">
               <a:rPr lang="en-US" smtClean="0"/>
-              <a:t>6/10/23</a:t>
+              <a:t>9/11/23</a:t>
             </a:fld>
             <a:endParaRPr lang="en-US"/>
           </a:p>
@@ -1982,7 +1982,7 @@
           <a:p>
             <a:fld id="{C088BFFC-84F4-4F97-BA92-920A7550B5B3}" type="datetimeFigureOut">
               <a:rPr lang="en-US" smtClean="0"/>
-              <a:t>6/10/23</a:t>
+              <a:t>9/11/23</a:t>
             </a:fld>
             <a:endParaRPr lang="en-US"/>
           </a:p>
@@ -2095,7 +2095,7 @@
           <a:p>
             <a:fld id="{C088BFFC-84F4-4F97-BA92-920A7550B5B3}" type="datetimeFigureOut">
               <a:rPr lang="en-US" smtClean="0"/>
-              <a:t>6/10/23</a:t>
+              <a:t>9/11/23</a:t>
             </a:fld>
             <a:endParaRPr lang="en-US"/>
           </a:p>
@@ -2406,7 +2406,7 @@
           <a:p>
             <a:fld id="{C088BFFC-84F4-4F97-BA92-920A7550B5B3}" type="datetimeFigureOut">
               <a:rPr lang="en-US" smtClean="0"/>
-              <a:t>6/10/23</a:t>
+              <a:t>9/11/23</a:t>
             </a:fld>
             <a:endParaRPr lang="en-US"/>
           </a:p>
@@ -2694,7 +2694,7 @@
           <a:p>
             <a:fld id="{C088BFFC-84F4-4F97-BA92-920A7550B5B3}" type="datetimeFigureOut">
               <a:rPr lang="en-US" smtClean="0"/>
-              <a:t>6/10/23</a:t>
+              <a:t>9/11/23</a:t>
             </a:fld>
             <a:endParaRPr lang="en-US"/>
           </a:p>
@@ -2935,7 +2935,7 @@
           <a:p>
             <a:fld id="{C088BFFC-84F4-4F97-BA92-920A7550B5B3}" type="datetimeFigureOut">
               <a:rPr lang="en-US" smtClean="0"/>
-              <a:t>6/10/23</a:t>
+              <a:t>9/11/23</a:t>
             </a:fld>
             <a:endParaRPr lang="en-US"/>
           </a:p>
@@ -33207,7 +33207,7 @@
         <p:spPr>
           <a:xfrm>
             <a:off x="3118421" y="3166867"/>
-            <a:ext cx="618887" cy="276999"/>
+            <a:ext cx="648319" cy="276999"/>
           </a:xfrm>
           <a:prstGeom prst="rect">
             <a:avLst/>
@@ -33224,7 +33224,7 @@
           <a:p>
             <a:r>
               <a:rPr lang="en-US" sz="1200" b="1" dirty="0"/>
-              <a:t>Frame </a:t>
+              <a:t>Layout </a:t>
             </a:r>
           </a:p>
         </p:txBody>
